--- a/test.pptx
+++ b/test.pptx
@@ -3152,7 +3152,7 @@
               <a:defRPr sz="1050"/>
             </a:pPr>
             <a:r>
-              <a:t>武井層</a:t>
+              <a:t>ナントカ層</a:t>
             </a:r>
           </a:p>
           <a:p>
@@ -3514,7 +3514,7 @@
               <a:defRPr sz="1050"/>
             </a:pPr>
             <a:r>
-              <a:t>武井層</a:t>
+              <a:t>ナントカ層</a:t>
             </a:r>
           </a:p>
           <a:p>
@@ -3880,7 +3880,7 @@
               <a:defRPr sz="1050"/>
             </a:pPr>
             <a:r>
-              <a:t>武井層</a:t>
+              <a:t>ナントカ層</a:t>
             </a:r>
           </a:p>
           <a:p>
@@ -4242,7 +4242,7 @@
               <a:defRPr sz="1050"/>
             </a:pPr>
             <a:r>
-              <a:t>武井層</a:t>
+              <a:t>ナントカ層</a:t>
             </a:r>
           </a:p>
           <a:p>
@@ -4604,7 +4604,7 @@
               <a:defRPr sz="1050"/>
             </a:pPr>
             <a:r>
-              <a:t>武井層</a:t>
+              <a:t>ナントカ層</a:t>
             </a:r>
           </a:p>
           <a:p>
@@ -4970,7 +4970,7 @@
               <a:defRPr sz="1050"/>
             </a:pPr>
             <a:r>
-              <a:t>武井層</a:t>
+              <a:t>ナントカ層</a:t>
             </a:r>
           </a:p>
           <a:p>

--- a/test.pptx
+++ b/test.pptx
@@ -3115,11 +3115,15 @@
           <a:p/>
           <a:p>
             <a:r>
-              <a:rPr i="1" b="1"/>
+              <a:rPr i="1" b="1">
+                <a:latin typeface="Times New Roman"/>
+              </a:rPr>
               <a:t>Gaudryceras </a:t>
             </a:r>
             <a:r>
-              <a:rPr i="1" b="1"/>
+              <a:rPr i="1" b="1">
+                <a:latin typeface="Times New Roman"/>
+              </a:rPr>
               <a:t>intermedium</a:t>
             </a:r>
           </a:p>
@@ -3477,11 +3481,15 @@
           <a:p/>
           <a:p>
             <a:r>
-              <a:rPr i="1" b="1"/>
+              <a:rPr i="1" b="1">
+                <a:latin typeface="Times New Roman"/>
+              </a:rPr>
               <a:t>Gaudryceras </a:t>
             </a:r>
             <a:r>
-              <a:rPr b="1"/>
+              <a:rPr b="1">
+                <a:latin typeface="Times New Roman"/>
+              </a:rPr>
               <a:t>sp.</a:t>
             </a:r>
           </a:p>
@@ -3839,15 +3847,21 @@
           <a:p/>
           <a:p>
             <a:r>
-              <a:rPr i="1" b="1"/>
+              <a:rPr i="1" b="1">
+                <a:latin typeface="Times New Roman"/>
+              </a:rPr>
               <a:t>Gaudryceras </a:t>
             </a:r>
             <a:r>
-              <a:rPr b="1"/>
+              <a:rPr b="1">
+                <a:latin typeface="Times New Roman"/>
+              </a:rPr>
               <a:t>aff. </a:t>
             </a:r>
             <a:r>
-              <a:rPr i="1" b="1"/>
+              <a:rPr i="1" b="1">
+                <a:latin typeface="Times New Roman"/>
+              </a:rPr>
               <a:t>izumiense</a:t>
             </a:r>
           </a:p>
@@ -4205,11 +4219,15 @@
           <a:p/>
           <a:p>
             <a:r>
-              <a:rPr i="1" b="1"/>
+              <a:rPr i="1" b="1">
+                <a:latin typeface="Times New Roman"/>
+              </a:rPr>
               <a:t>Gaudryceras </a:t>
             </a:r>
             <a:r>
-              <a:rPr i="1" b="1"/>
+              <a:rPr i="1" b="1">
+                <a:latin typeface="Times New Roman"/>
+              </a:rPr>
               <a:t>intermedium</a:t>
             </a:r>
           </a:p>
@@ -4567,11 +4585,15 @@
           <a:p/>
           <a:p>
             <a:r>
-              <a:rPr i="1" b="1"/>
+              <a:rPr i="1" b="1">
+                <a:latin typeface="Times New Roman"/>
+              </a:rPr>
               <a:t>Gaudryceras </a:t>
             </a:r>
             <a:r>
-              <a:rPr b="1"/>
+              <a:rPr b="1">
+                <a:latin typeface="Times New Roman"/>
+              </a:rPr>
               <a:t>sp.</a:t>
             </a:r>
           </a:p>
@@ -4929,15 +4951,21 @@
           <a:p/>
           <a:p>
             <a:r>
-              <a:rPr i="1" b="1"/>
+              <a:rPr i="1" b="1">
+                <a:latin typeface="Times New Roman"/>
+              </a:rPr>
               <a:t>Gaudryceras </a:t>
             </a:r>
             <a:r>
-              <a:rPr b="1"/>
+              <a:rPr b="1">
+                <a:latin typeface="Times New Roman"/>
+              </a:rPr>
               <a:t>aff. </a:t>
             </a:r>
             <a:r>
-              <a:rPr i="1" b="1"/>
+              <a:rPr i="1" b="1">
+                <a:latin typeface="Times New Roman"/>
+              </a:rPr>
               <a:t>izumiense</a:t>
             </a:r>
           </a:p>
@@ -5295,11 +5323,15 @@
           <a:p/>
           <a:p>
             <a:r>
-              <a:rPr i="1" b="1"/>
+              <a:rPr i="1" b="1">
+                <a:latin typeface="Times New Roman"/>
+              </a:rPr>
               <a:t>Gaudryceras </a:t>
             </a:r>
             <a:r>
-              <a:rPr i="1" b="1"/>
+              <a:rPr i="1" b="1">
+                <a:latin typeface="Times New Roman"/>
+              </a:rPr>
               <a:t>intermedium</a:t>
             </a:r>
           </a:p>
@@ -5657,11 +5689,15 @@
           <a:p/>
           <a:p>
             <a:r>
-              <a:rPr i="1" b="1"/>
+              <a:rPr i="1" b="1">
+                <a:latin typeface="Times New Roman"/>
+              </a:rPr>
               <a:t>Gaudryceras </a:t>
             </a:r>
             <a:r>
-              <a:rPr b="1"/>
+              <a:rPr b="1">
+                <a:latin typeface="Times New Roman"/>
+              </a:rPr>
               <a:t>sp.</a:t>
             </a:r>
           </a:p>
@@ -6019,15 +6055,21 @@
           <a:p/>
           <a:p>
             <a:r>
-              <a:rPr i="1" b="1"/>
+              <a:rPr i="1" b="1">
+                <a:latin typeface="Times New Roman"/>
+              </a:rPr>
               <a:t>Gaudryceras </a:t>
             </a:r>
             <a:r>
-              <a:rPr b="1"/>
+              <a:rPr b="1">
+                <a:latin typeface="Times New Roman"/>
+              </a:rPr>
               <a:t>aff. </a:t>
             </a:r>
             <a:r>
-              <a:rPr i="1" b="1"/>
+              <a:rPr i="1" b="1">
+                <a:latin typeface="Times New Roman"/>
+              </a:rPr>
               <a:t>izumiense</a:t>
             </a:r>
           </a:p>
@@ -6385,11 +6427,15 @@
           <a:p/>
           <a:p>
             <a:r>
-              <a:rPr i="1" b="1"/>
+              <a:rPr i="1" b="1">
+                <a:latin typeface="Times New Roman"/>
+              </a:rPr>
               <a:t>Gaudryceras </a:t>
             </a:r>
             <a:r>
-              <a:rPr i="1" b="1"/>
+              <a:rPr i="1" b="1">
+                <a:latin typeface="Times New Roman"/>
+              </a:rPr>
               <a:t>intermedium</a:t>
             </a:r>
           </a:p>
@@ -6747,11 +6793,15 @@
           <a:p/>
           <a:p>
             <a:r>
-              <a:rPr i="1" b="1"/>
+              <a:rPr i="1" b="1">
+                <a:latin typeface="Times New Roman"/>
+              </a:rPr>
               <a:t>Gaudryceras </a:t>
             </a:r>
             <a:r>
-              <a:rPr b="1"/>
+              <a:rPr b="1">
+                <a:latin typeface="Times New Roman"/>
+              </a:rPr>
               <a:t>sp.</a:t>
             </a:r>
           </a:p>
@@ -7109,7 +7159,9 @@
           <a:p/>
           <a:p>
             <a:r>
-              <a:rPr b="1"/>
+              <a:rPr b="1">
+                <a:latin typeface="Times New Roman"/>
+              </a:rPr>
               <a:t>Ammonitida gen. et sp. indet </a:t>
             </a:r>
           </a:p>
@@ -7485,7 +7537,9 @@
           <a:p/>
           <a:p>
             <a:r>
-              <a:rPr b="1"/>
+              <a:rPr b="1">
+                <a:latin typeface="Times New Roman"/>
+              </a:rPr>
               <a:t>Ammonitida gen. et sp. indet </a:t>
             </a:r>
           </a:p>
@@ -7843,7 +7897,9 @@
           <a:p/>
           <a:p>
             <a:r>
-              <a:rPr b="1"/>
+              <a:rPr b="1">
+                <a:latin typeface="Times New Roman"/>
+              </a:rPr>
               <a:t>Ammonitida gen. et sp. indet </a:t>
             </a:r>
           </a:p>
@@ -8219,15 +8275,21 @@
           <a:p/>
           <a:p>
             <a:r>
-              <a:rPr i="1" b="1"/>
+              <a:rPr i="1" b="1">
+                <a:latin typeface="Times New Roman"/>
+              </a:rPr>
               <a:t>Gaudryceras </a:t>
             </a:r>
             <a:r>
-              <a:rPr b="1"/>
+              <a:rPr b="1">
+                <a:latin typeface="Times New Roman"/>
+              </a:rPr>
               <a:t>aff. </a:t>
             </a:r>
             <a:r>
-              <a:rPr i="1" b="1"/>
+              <a:rPr i="1" b="1">
+                <a:latin typeface="Times New Roman"/>
+              </a:rPr>
               <a:t>izumiense</a:t>
             </a:r>
           </a:p>
@@ -8585,11 +8647,15 @@
           <a:p/>
           <a:p>
             <a:r>
-              <a:rPr i="1" b="1"/>
+              <a:rPr i="1" b="1">
+                <a:latin typeface="Times New Roman"/>
+              </a:rPr>
               <a:t>Gaudryceras </a:t>
             </a:r>
             <a:r>
-              <a:rPr i="1" b="1"/>
+              <a:rPr i="1" b="1">
+                <a:latin typeface="Times New Roman"/>
+              </a:rPr>
               <a:t>intermedium</a:t>
             </a:r>
           </a:p>
@@ -8947,11 +9013,15 @@
           <a:p/>
           <a:p>
             <a:r>
-              <a:rPr i="1" b="1"/>
+              <a:rPr i="1" b="1">
+                <a:latin typeface="Times New Roman"/>
+              </a:rPr>
               <a:t>Gaudryceras </a:t>
             </a:r>
             <a:r>
-              <a:rPr b="1"/>
+              <a:rPr b="1">
+                <a:latin typeface="Times New Roman"/>
+              </a:rPr>
               <a:t>sp.</a:t>
             </a:r>
           </a:p>
@@ -9309,15 +9379,21 @@
           <a:p/>
           <a:p>
             <a:r>
-              <a:rPr i="1" b="1"/>
+              <a:rPr i="1" b="1">
+                <a:latin typeface="Times New Roman"/>
+              </a:rPr>
               <a:t>Gaudryceras </a:t>
             </a:r>
             <a:r>
-              <a:rPr b="1"/>
+              <a:rPr b="1">
+                <a:latin typeface="Times New Roman"/>
+              </a:rPr>
               <a:t>aff. </a:t>
             </a:r>
             <a:r>
-              <a:rPr i="1" b="1"/>
+              <a:rPr i="1" b="1">
+                <a:latin typeface="Times New Roman"/>
+              </a:rPr>
               <a:t>izumiense</a:t>
             </a:r>
           </a:p>
